--- a/local/OAS1vignette/OAS1Vignette.pptx
+++ b/local/OAS1vignette/OAS1Vignette.pptx
@@ -3119,15 +3119,7 @@
           <a:p>
             <a:r>
               <a:rPr lang="en-US" dirty="0" smtClean="0"/>
-              <a:t>How many samples to select for the OAS1 </a:t>
-            </a:r>
-            <a:r>
-              <a:rPr lang="en-US" dirty="0" smtClean="0"/>
-              <a:t>example in </a:t>
-            </a:r>
-            <a:r>
-              <a:rPr lang="en-US" dirty="0" smtClean="0"/>
-              <a:t>vignette?</a:t>
+              <a:t>OAS1 example in vignette</a:t>
             </a:r>
             <a:endParaRPr lang="en-US" dirty="0"/>
           </a:p>
@@ -3184,6 +3176,37 @@
       </p:grpSpPr>
       <p:sp>
         <p:nvSpPr>
+          <p:cNvPr id="2" name="Title 1"/>
+          <p:cNvSpPr>
+            <a:spLocks noGrp="1"/>
+          </p:cNvSpPr>
+          <p:nvPr>
+            <p:ph type="title"/>
+          </p:nvPr>
+        </p:nvSpPr>
+        <p:spPr/>
+        <p:txBody>
+          <a:bodyPr/>
+          <a:lstStyle/>
+          <a:p>
+            <a:r>
+              <a:rPr lang="en-US" dirty="0" smtClean="0"/>
+              <a:t>/</a:t>
+            </a:r>
+            <a:r>
+              <a:rPr lang="en-US" dirty="0" err="1" smtClean="0"/>
+              <a:t>multiseq</a:t>
+            </a:r>
+            <a:r>
+              <a:rPr lang="en-US" dirty="0" smtClean="0"/>
+              <a:t>/local/OAS1.R</a:t>
+            </a:r>
+            <a:endParaRPr lang="en-US" dirty="0"/>
+          </a:p>
+        </p:txBody>
+      </p:sp>
+      <p:sp>
+        <p:nvSpPr>
           <p:cNvPr id="3" name="Content Placeholder 2"/>
           <p:cNvSpPr>
             <a:spLocks noGrp="1"/>
@@ -3194,137 +3217,25 @@
         </p:nvSpPr>
         <p:spPr/>
         <p:txBody>
-          <a:bodyPr>
-            <a:normAutofit fontScale="70000" lnSpcReduction="20000"/>
-          </a:bodyPr>
+          <a:bodyPr/>
           <a:lstStyle/>
           <a:p>
             <a:r>
               <a:rPr lang="en-US" dirty="0" smtClean="0"/>
-              <a:t>Data</a:t>
-            </a:r>
+              <a:t>Code to generate the data and the plot</a:t>
+            </a:r>
+          </a:p>
+          <a:p>
             <a:r>
               <a:rPr lang="en-US" dirty="0" smtClean="0"/>
-              <a:t>: </a:t>
-            </a:r>
+              <a:t>Data: Bryce, after removing individuals with NA, and individuals with 0 counts</a:t>
+            </a:r>
+          </a:p>
+          <a:p>
             <a:r>
               <a:rPr lang="en-US" dirty="0" smtClean="0"/>
-              <a:t>Bryce (reads mapped with </a:t>
-            </a:r>
-            <a:r>
-              <a:rPr lang="en-US" dirty="0" err="1" smtClean="0"/>
-              <a:t>bwa</a:t>
-            </a:r>
-            <a:r>
-              <a:rPr lang="en-US" dirty="0" smtClean="0"/>
-              <a:t>) </a:t>
-            </a:r>
-          </a:p>
-          <a:p>
-            <a:r>
-              <a:rPr lang="en-US" dirty="0"/>
-              <a:t>A</a:t>
-            </a:r>
-            <a:r>
-              <a:rPr lang="en-US" dirty="0" smtClean="0"/>
-              <a:t>fter </a:t>
-            </a:r>
-            <a:r>
-              <a:rPr lang="en-US" dirty="0" smtClean="0"/>
-              <a:t>removing individuals with NA, and individuals with 0 </a:t>
-            </a:r>
-            <a:r>
-              <a:rPr lang="en-US" dirty="0" smtClean="0"/>
-              <a:t>counts: 66 individuals</a:t>
-            </a:r>
-          </a:p>
-          <a:p>
-            <a:r>
-              <a:rPr lang="en-US" dirty="0" smtClean="0"/>
-              <a:t>I was trying to select a smaller dataset to put in the vignette but (see next slides) only with a total of 21 individuals I get a pattern that resemble the pattern with 66 individuals.</a:t>
-            </a:r>
-            <a:endParaRPr lang="en-US" dirty="0" smtClean="0"/>
-          </a:p>
-          <a:p>
-            <a:r>
-              <a:rPr lang="en-US" dirty="0" smtClean="0"/>
-              <a:t>Comparison</a:t>
-            </a:r>
-          </a:p>
-          <a:p>
-            <a:pPr marL="457200" lvl="1" indent="0">
-              <a:buNone/>
-            </a:pPr>
-            <a:r>
-              <a:rPr lang="en-US" dirty="0" smtClean="0"/>
-              <a:t>                       66 individuals  | 21 individuals (7 in each genotype class)</a:t>
-            </a:r>
-          </a:p>
-          <a:p>
-            <a:pPr marL="457200" lvl="1" indent="0">
-              <a:buNone/>
-            </a:pPr>
-            <a:r>
-              <a:rPr lang="en-US" dirty="0" smtClean="0"/>
-              <a:t>     time            ~30 seconds  | ~15seconds</a:t>
-            </a:r>
-          </a:p>
-          <a:p>
-            <a:pPr marL="457200" lvl="1" indent="0">
-              <a:buNone/>
-            </a:pPr>
-            <a:r>
-              <a:rPr lang="en-US" dirty="0"/>
-              <a:t> </a:t>
-            </a:r>
-            <a:r>
-              <a:rPr lang="en-US" dirty="0" smtClean="0"/>
-              <a:t>    data size             ~ 39Kb     |  ~10Kb</a:t>
-            </a:r>
-          </a:p>
-          <a:p>
-            <a:pPr marL="457200" lvl="1" indent="0">
-              <a:buNone/>
-            </a:pPr>
-            <a:endParaRPr lang="en-US" dirty="0" smtClean="0"/>
-          </a:p>
-          <a:p>
-            <a:r>
-              <a:rPr lang="en-US" dirty="0" smtClean="0"/>
-              <a:t>If you are interested: Code </a:t>
-            </a:r>
-            <a:r>
-              <a:rPr lang="en-US" dirty="0"/>
-              <a:t>to generate the data and the </a:t>
-            </a:r>
-            <a:r>
-              <a:rPr lang="en-US" dirty="0" smtClean="0"/>
-              <a:t>plots </a:t>
-            </a:r>
-          </a:p>
-          <a:p>
-            <a:pPr marL="0" indent="0">
-              <a:buNone/>
-            </a:pPr>
-            <a:r>
-              <a:rPr lang="en-US" dirty="0"/>
-              <a:t> </a:t>
-            </a:r>
-            <a:r>
-              <a:rPr lang="en-US" dirty="0" smtClean="0"/>
-              <a:t>                          /</a:t>
-            </a:r>
-            <a:r>
-              <a:rPr lang="en-US" dirty="0" err="1"/>
-              <a:t>multiseq</a:t>
-            </a:r>
-            <a:r>
-              <a:rPr lang="en-US" dirty="0"/>
-              <a:t>/local/OAS1.R</a:t>
-            </a:r>
-          </a:p>
-          <a:p>
-            <a:endParaRPr lang="en-US" dirty="0" smtClean="0"/>
+              <a:t>66 individuals</a:t>
+            </a:r>
           </a:p>
         </p:txBody>
       </p:sp>
@@ -3648,12 +3559,7 @@
             <a:fillRect/>
           </a:stretch>
         </p:blipFill>
-        <p:spPr>
-          <a:xfrm>
-            <a:off x="-1468167" y="1270056"/>
-            <a:ext cx="12585929" cy="4856108"/>
-          </a:xfrm>
-        </p:spPr>
+        <p:spPr/>
       </p:pic>
     </p:spTree>
     <p:extLst>
@@ -3725,6 +3631,10 @@
           <a:bodyPr/>
           <a:lstStyle/>
           <a:p>
+            <a:r>
+              <a:rPr lang="en-US" dirty="0" smtClean="0"/>
+              <a:t>In total there are just 7 individuals with genotype 0</a:t>
+            </a:r>
             <a:endParaRPr lang="en-US" dirty="0"/>
           </a:p>
         </p:txBody>
@@ -3751,8 +3661,8 @@
         </p:blipFill>
         <p:spPr>
           <a:xfrm>
-            <a:off x="244694" y="1246644"/>
-            <a:ext cx="8587612" cy="5495901"/>
+            <a:off x="3662497" y="2191517"/>
+            <a:ext cx="4529392" cy="4551028"/>
           </a:xfrm>
           <a:prstGeom prst="rect">
             <a:avLst/>
@@ -3825,7 +3735,7 @@
         <p:spPr/>
         <p:txBody>
           <a:bodyPr>
-            <a:normAutofit/>
+            <a:normAutofit fontScale="92500" lnSpcReduction="10000"/>
           </a:bodyPr>
           <a:lstStyle/>
           <a:p>
@@ -3878,16 +3788,27 @@
             <a:pPr lvl="1"/>
             <a:r>
               <a:rPr lang="en-US" dirty="0" smtClean="0"/>
-              <a:t>The 21 individuals show good </a:t>
-            </a:r>
+              <a:t>The 21 individuals show good pattern</a:t>
+            </a:r>
+          </a:p>
+          <a:p>
+            <a:pPr lvl="1"/>
+            <a:endParaRPr lang="en-US" dirty="0"/>
+          </a:p>
+          <a:p>
+            <a:pPr marL="514350" indent="-457200"/>
             <a:r>
               <a:rPr lang="en-US" dirty="0" smtClean="0"/>
-              <a:t>pattern; I would pick this one or the complete 66 individuals</a:t>
-            </a:r>
-            <a:endParaRPr lang="en-US" dirty="0" smtClean="0"/>
-          </a:p>
-          <a:p>
-            <a:pPr lvl="1"/>
+              <a:t>66 individuals </a:t>
+            </a:r>
+            <a:r>
+              <a:rPr lang="en-US" dirty="0" err="1" smtClean="0"/>
+              <a:t>vs</a:t>
+            </a:r>
+            <a:r>
+              <a:rPr lang="en-US" dirty="0" smtClean="0"/>
+              <a:t> 21 individuals: 66 takes double the time (30 seconds), data set size ~ 4 times (39Kb)</a:t>
+            </a:r>
             <a:endParaRPr lang="en-US" dirty="0"/>
           </a:p>
           <a:p>
